--- a/Glass Classification.pptx
+++ b/Glass Classification.pptx
@@ -308,7 +308,7 @@
           <a:p>
             <a:fld id="{FB7AB4F3-853F-480D-AFA3-9C3A79F2BCE3}" type="datetimeFigureOut">
               <a:rPr lang="en-US" smtClean="0"/>
-              <a:t>12/23/2019</a:t>
+              <a:t>12/24/2019</a:t>
             </a:fld>
             <a:endParaRPr lang="en-US"/>
           </a:p>
@@ -646,7 +646,7 @@
           <a:p>
             <a:fld id="{FB7AB4F3-853F-480D-AFA3-9C3A79F2BCE3}" type="datetimeFigureOut">
               <a:rPr lang="en-US" smtClean="0"/>
-              <a:t>12/23/2019</a:t>
+              <a:t>12/24/2019</a:t>
             </a:fld>
             <a:endParaRPr lang="en-US"/>
           </a:p>
@@ -1047,7 +1047,7 @@
           <a:p>
             <a:fld id="{FB7AB4F3-853F-480D-AFA3-9C3A79F2BCE3}" type="datetimeFigureOut">
               <a:rPr lang="en-US" smtClean="0"/>
-              <a:t>12/23/2019</a:t>
+              <a:t>12/24/2019</a:t>
             </a:fld>
             <a:endParaRPr lang="en-US"/>
           </a:p>
@@ -1383,7 +1383,7 @@
           <a:p>
             <a:fld id="{FB7AB4F3-853F-480D-AFA3-9C3A79F2BCE3}" type="datetimeFigureOut">
               <a:rPr lang="en-US" smtClean="0"/>
-              <a:t>12/23/2019</a:t>
+              <a:t>12/24/2019</a:t>
             </a:fld>
             <a:endParaRPr lang="en-US"/>
           </a:p>
@@ -1703,7 +1703,7 @@
           <a:p>
             <a:fld id="{FB7AB4F3-853F-480D-AFA3-9C3A79F2BCE3}" type="datetimeFigureOut">
               <a:rPr lang="en-US" smtClean="0"/>
-              <a:t>12/23/2019</a:t>
+              <a:t>12/24/2019</a:t>
             </a:fld>
             <a:endParaRPr lang="en-US"/>
           </a:p>
@@ -2099,7 +2099,7 @@
           <a:p>
             <a:fld id="{FB7AB4F3-853F-480D-AFA3-9C3A79F2BCE3}" type="datetimeFigureOut">
               <a:rPr lang="en-US" smtClean="0"/>
-              <a:t>12/23/2019</a:t>
+              <a:t>12/24/2019</a:t>
             </a:fld>
             <a:endParaRPr lang="en-US"/>
           </a:p>
@@ -2356,7 +2356,7 @@
           <a:p>
             <a:fld id="{FB7AB4F3-853F-480D-AFA3-9C3A79F2BCE3}" type="datetimeFigureOut">
               <a:rPr lang="en-US" smtClean="0"/>
-              <a:t>12/23/2019</a:t>
+              <a:t>12/24/2019</a:t>
             </a:fld>
             <a:endParaRPr lang="en-US"/>
           </a:p>
@@ -2618,7 +2618,7 @@
           <a:p>
             <a:fld id="{FB7AB4F3-853F-480D-AFA3-9C3A79F2BCE3}" type="datetimeFigureOut">
               <a:rPr lang="en-US" smtClean="0"/>
-              <a:t>12/23/2019</a:t>
+              <a:t>12/24/2019</a:t>
             </a:fld>
             <a:endParaRPr lang="en-US"/>
           </a:p>
@@ -2880,7 +2880,7 @@
           <a:p>
             <a:fld id="{FB7AB4F3-853F-480D-AFA3-9C3A79F2BCE3}" type="datetimeFigureOut">
               <a:rPr lang="en-US" smtClean="0"/>
-              <a:t>12/23/2019</a:t>
+              <a:t>12/24/2019</a:t>
             </a:fld>
             <a:endParaRPr lang="en-US"/>
           </a:p>
@@ -3209,7 +3209,7 @@
           <a:p>
             <a:fld id="{FB7AB4F3-853F-480D-AFA3-9C3A79F2BCE3}" type="datetimeFigureOut">
               <a:rPr lang="en-US" smtClean="0"/>
-              <a:t>12/23/2019</a:t>
+              <a:t>12/24/2019</a:t>
             </a:fld>
             <a:endParaRPr lang="en-US"/>
           </a:p>
@@ -3532,7 +3532,7 @@
           <a:p>
             <a:fld id="{FB7AB4F3-853F-480D-AFA3-9C3A79F2BCE3}" type="datetimeFigureOut">
               <a:rPr lang="en-US" smtClean="0"/>
-              <a:t>12/23/2019</a:t>
+              <a:t>12/24/2019</a:t>
             </a:fld>
             <a:endParaRPr lang="en-US"/>
           </a:p>
@@ -3989,7 +3989,7 @@
           <a:p>
             <a:fld id="{FB7AB4F3-853F-480D-AFA3-9C3A79F2BCE3}" type="datetimeFigureOut">
               <a:rPr lang="en-US" smtClean="0"/>
-              <a:t>12/23/2019</a:t>
+              <a:t>12/24/2019</a:t>
             </a:fld>
             <a:endParaRPr lang="en-US"/>
           </a:p>
@@ -4194,7 +4194,7 @@
           <a:p>
             <a:fld id="{FB7AB4F3-853F-480D-AFA3-9C3A79F2BCE3}" type="datetimeFigureOut">
               <a:rPr lang="en-US" smtClean="0"/>
-              <a:t>12/23/2019</a:t>
+              <a:t>12/24/2019</a:t>
             </a:fld>
             <a:endParaRPr lang="en-US"/>
           </a:p>
@@ -4371,7 +4371,7 @@
           <a:p>
             <a:fld id="{FB7AB4F3-853F-480D-AFA3-9C3A79F2BCE3}" type="datetimeFigureOut">
               <a:rPr lang="en-US" smtClean="0"/>
-              <a:t>12/23/2019</a:t>
+              <a:t>12/24/2019</a:t>
             </a:fld>
             <a:endParaRPr lang="en-US"/>
           </a:p>
@@ -4704,7 +4704,7 @@
           <a:p>
             <a:fld id="{FB7AB4F3-853F-480D-AFA3-9C3A79F2BCE3}" type="datetimeFigureOut">
               <a:rPr lang="en-US" smtClean="0"/>
-              <a:t>12/23/2019</a:t>
+              <a:t>12/24/2019</a:t>
             </a:fld>
             <a:endParaRPr lang="en-US"/>
           </a:p>
@@ -5049,7 +5049,7 @@
           <a:p>
             <a:fld id="{FB7AB4F3-853F-480D-AFA3-9C3A79F2BCE3}" type="datetimeFigureOut">
               <a:rPr lang="en-US" smtClean="0"/>
-              <a:t>12/23/2019</a:t>
+              <a:t>12/24/2019</a:t>
             </a:fld>
             <a:endParaRPr lang="en-US"/>
           </a:p>
@@ -7166,7 +7166,7 @@
           <a:p>
             <a:fld id="{FB7AB4F3-853F-480D-AFA3-9C3A79F2BCE3}" type="datetimeFigureOut">
               <a:rPr lang="en-US" smtClean="0"/>
-              <a:t>12/23/2019</a:t>
+              <a:t>12/24/2019</a:t>
             </a:fld>
             <a:endParaRPr lang="en-US"/>
           </a:p>
@@ -7733,7 +7733,26 @@
           <a:bodyPr/>
           <a:lstStyle/>
           <a:p>
-            <a:endParaRPr lang="en-US" dirty="0"/>
+            <a:r>
+              <a:rPr lang="en-US" dirty="0"/>
+              <a:t>By Student </a:t>
+            </a:r>
+            <a:r>
+              <a:rPr lang="en-US"/>
+              <a:t>: </a:t>
+            </a:r>
+            <a:r>
+              <a:rPr lang="en-US" dirty="0"/>
+              <a:t>S</a:t>
+            </a:r>
+            <a:r>
+              <a:rPr lang="en-US"/>
+              <a:t>hareef </a:t>
+            </a:r>
+            <a:r>
+              <a:rPr lang="en-US" dirty="0"/>
+              <a:t>T. Ragab</a:t>
+            </a:r>
           </a:p>
         </p:txBody>
       </p:sp>
@@ -7946,7 +7965,7 @@
             <a:pPr algn="l" rtl="0"/>
             <a:r>
               <a:rPr lang="en-US" dirty="0"/>
-              <a:t>data collection</a:t>
+              <a:t>Data selection</a:t>
             </a:r>
             <a:endParaRPr lang="ar-SA" dirty="0"/>
           </a:p>
